--- a/masking.pptx
+++ b/masking.pptx
@@ -11,6 +11,7 @@
     <p:sldId id="259" r:id="rId5"/>
     <p:sldId id="260" r:id="rId6"/>
     <p:sldId id="261" r:id="rId7"/>
+    <p:sldId id="262" r:id="rId8"/>
   </p:sldIdLst>
   <p:sldSz cx="12192000" cy="6858000"/>
   <p:notesSz cx="6858000" cy="9144000"/>
@@ -109,7 +110,16 @@
       </a:defRPr>
     </a:lvl9pPr>
   </p:defaultTextStyle>
+  <p:extLst>
+    <p:ext uri="{EFAFB233-063F-42B5-8137-9DF3F51BA10A}">
+      <p15:sldGuideLst xmlns:p15="http://schemas.microsoft.com/office/powerpoint/2012/main"/>
+    </p:ext>
+  </p:extLst>
 </p:presentation>
+</file>
+
+<file path=ppt/revisionInfo.xml><?xml version="1.0" encoding="utf-8"?>
+<p1510:revInfo xmlns:a="http://schemas.openxmlformats.org/drawingml/2006/main" xmlns:r="http://schemas.openxmlformats.org/officeDocument/2006/relationships" xmlns:p1510="http://schemas.microsoft.com/office/powerpoint/2015/10/main"/>
 </file>
 
 <file path=ppt/slideLayouts/slideLayout1.xml><?xml version="1.0" encoding="utf-8"?>
@@ -259,7 +269,7 @@
           <a:p>
             <a:fld id="{B42727B3-2B53-E343-9B99-F925837DA828}" type="datetimeFigureOut">
               <a:rPr lang="en-US" smtClean="0"/>
-              <a:t>3/19/18</a:t>
+              <a:t>3/20/2018</a:t>
             </a:fld>
             <a:endParaRPr lang="en-US"/>
           </a:p>
@@ -457,7 +467,7 @@
           <a:p>
             <a:fld id="{B42727B3-2B53-E343-9B99-F925837DA828}" type="datetimeFigureOut">
               <a:rPr lang="en-US" smtClean="0"/>
-              <a:t>3/19/18</a:t>
+              <a:t>3/20/2018</a:t>
             </a:fld>
             <a:endParaRPr lang="en-US"/>
           </a:p>
@@ -665,7 +675,7 @@
           <a:p>
             <a:fld id="{B42727B3-2B53-E343-9B99-F925837DA828}" type="datetimeFigureOut">
               <a:rPr lang="en-US" smtClean="0"/>
-              <a:t>3/19/18</a:t>
+              <a:t>3/20/2018</a:t>
             </a:fld>
             <a:endParaRPr lang="en-US"/>
           </a:p>
@@ -863,7 +873,7 @@
           <a:p>
             <a:fld id="{B42727B3-2B53-E343-9B99-F925837DA828}" type="datetimeFigureOut">
               <a:rPr lang="en-US" smtClean="0"/>
-              <a:t>3/19/18</a:t>
+              <a:t>3/20/2018</a:t>
             </a:fld>
             <a:endParaRPr lang="en-US"/>
           </a:p>
@@ -1138,7 +1148,7 @@
           <a:p>
             <a:fld id="{B42727B3-2B53-E343-9B99-F925837DA828}" type="datetimeFigureOut">
               <a:rPr lang="en-US" smtClean="0"/>
-              <a:t>3/19/18</a:t>
+              <a:t>3/20/2018</a:t>
             </a:fld>
             <a:endParaRPr lang="en-US"/>
           </a:p>
@@ -1403,7 +1413,7 @@
           <a:p>
             <a:fld id="{B42727B3-2B53-E343-9B99-F925837DA828}" type="datetimeFigureOut">
               <a:rPr lang="en-US" smtClean="0"/>
-              <a:t>3/19/18</a:t>
+              <a:t>3/20/2018</a:t>
             </a:fld>
             <a:endParaRPr lang="en-US"/>
           </a:p>
@@ -1815,7 +1825,7 @@
           <a:p>
             <a:fld id="{B42727B3-2B53-E343-9B99-F925837DA828}" type="datetimeFigureOut">
               <a:rPr lang="en-US" smtClean="0"/>
-              <a:t>3/19/18</a:t>
+              <a:t>3/20/2018</a:t>
             </a:fld>
             <a:endParaRPr lang="en-US"/>
           </a:p>
@@ -1956,7 +1966,7 @@
           <a:p>
             <a:fld id="{B42727B3-2B53-E343-9B99-F925837DA828}" type="datetimeFigureOut">
               <a:rPr lang="en-US" smtClean="0"/>
-              <a:t>3/19/18</a:t>
+              <a:t>3/20/2018</a:t>
             </a:fld>
             <a:endParaRPr lang="en-US"/>
           </a:p>
@@ -2069,7 +2079,7 @@
           <a:p>
             <a:fld id="{B42727B3-2B53-E343-9B99-F925837DA828}" type="datetimeFigureOut">
               <a:rPr lang="en-US" smtClean="0"/>
-              <a:t>3/19/18</a:t>
+              <a:t>3/20/2018</a:t>
             </a:fld>
             <a:endParaRPr lang="en-US"/>
           </a:p>
@@ -2380,7 +2390,7 @@
           <a:p>
             <a:fld id="{B42727B3-2B53-E343-9B99-F925837DA828}" type="datetimeFigureOut">
               <a:rPr lang="en-US" smtClean="0"/>
-              <a:t>3/19/18</a:t>
+              <a:t>3/20/2018</a:t>
             </a:fld>
             <a:endParaRPr lang="en-US"/>
           </a:p>
@@ -2668,7 +2678,7 @@
           <a:p>
             <a:fld id="{B42727B3-2B53-E343-9B99-F925837DA828}" type="datetimeFigureOut">
               <a:rPr lang="en-US" smtClean="0"/>
-              <a:t>3/19/18</a:t>
+              <a:t>3/20/2018</a:t>
             </a:fld>
             <a:endParaRPr lang="en-US"/>
           </a:p>
@@ -2909,7 +2919,7 @@
           <a:p>
             <a:fld id="{B42727B3-2B53-E343-9B99-F925837DA828}" type="datetimeFigureOut">
               <a:rPr lang="en-US" smtClean="0"/>
-              <a:t>3/19/18</a:t>
+              <a:t>3/20/2018</a:t>
             </a:fld>
             <a:endParaRPr lang="en-US"/>
           </a:p>
@@ -3789,6 +3799,124 @@
 </p:sld>
 </file>
 
+<file path=ppt/slides/slide7.xml><?xml version="1.0" encoding="utf-8"?>
+<p:sld xmlns:a="http://schemas.openxmlformats.org/drawingml/2006/main" xmlns:r="http://schemas.openxmlformats.org/officeDocument/2006/relationships" xmlns:p="http://schemas.openxmlformats.org/presentationml/2006/main">
+  <p:cSld>
+    <p:spTree>
+      <p:nvGrpSpPr>
+        <p:cNvPr id="1" name=""/>
+        <p:cNvGrpSpPr/>
+        <p:nvPr/>
+      </p:nvGrpSpPr>
+      <p:grpSpPr>
+        <a:xfrm>
+          <a:off x="0" y="0"/>
+          <a:ext cx="0" cy="0"/>
+          <a:chOff x="0" y="0"/>
+          <a:chExt cx="0" cy="0"/>
+        </a:xfrm>
+      </p:grpSpPr>
+      <p:sp>
+        <p:nvSpPr>
+          <p:cNvPr id="2" name="Title 1">
+            <a:extLst>
+              <a:ext uri="{FF2B5EF4-FFF2-40B4-BE49-F238E27FC236}">
+                <a16:creationId xmlns:a16="http://schemas.microsoft.com/office/drawing/2014/main" id="{E0CDCE13-F5B1-4D19-967E-552A14F2B4AA}"/>
+              </a:ext>
+            </a:extLst>
+          </p:cNvPr>
+          <p:cNvSpPr>
+            <a:spLocks noGrp="1"/>
+          </p:cNvSpPr>
+          <p:nvPr>
+            <p:ph type="title"/>
+          </p:nvPr>
+        </p:nvSpPr>
+        <p:spPr/>
+        <p:txBody>
+          <a:bodyPr/>
+          <a:lstStyle/>
+          <a:p>
+            <a:r>
+              <a:rPr lang="en-US" dirty="0"/>
+              <a:t>added</a:t>
+            </a:r>
+          </a:p>
+        </p:txBody>
+      </p:sp>
+      <p:pic>
+        <p:nvPicPr>
+          <p:cNvPr id="4" name="Picture 3">
+            <a:extLst>
+              <a:ext uri="{FF2B5EF4-FFF2-40B4-BE49-F238E27FC236}">
+                <a16:creationId xmlns:a16="http://schemas.microsoft.com/office/drawing/2014/main" id="{C5CF8DD5-6A50-4C50-8B97-4BC9E6D0BBE7}"/>
+              </a:ext>
+            </a:extLst>
+          </p:cNvPr>
+          <p:cNvPicPr>
+            <a:picLocks noChangeAspect="1"/>
+          </p:cNvPicPr>
+          <p:nvPr/>
+        </p:nvPicPr>
+        <p:blipFill>
+          <a:blip r:embed="rId2"/>
+          <a:stretch>
+            <a:fillRect/>
+          </a:stretch>
+        </p:blipFill>
+        <p:spPr>
+          <a:xfrm>
+            <a:off x="838200" y="1472973"/>
+            <a:ext cx="6973598" cy="3960028"/>
+          </a:xfrm>
+          <a:prstGeom prst="rect">
+            <a:avLst/>
+          </a:prstGeom>
+        </p:spPr>
+      </p:pic>
+      <p:pic>
+        <p:nvPicPr>
+          <p:cNvPr id="5" name="Picture 4">
+            <a:extLst>
+              <a:ext uri="{FF2B5EF4-FFF2-40B4-BE49-F238E27FC236}">
+                <a16:creationId xmlns:a16="http://schemas.microsoft.com/office/drawing/2014/main" id="{A649F034-8464-4CFE-B22B-E2091FF48FC5}"/>
+              </a:ext>
+            </a:extLst>
+          </p:cNvPr>
+          <p:cNvPicPr>
+            <a:picLocks noChangeAspect="1"/>
+          </p:cNvPicPr>
+          <p:nvPr/>
+        </p:nvPicPr>
+        <p:blipFill>
+          <a:blip r:embed="rId3"/>
+          <a:stretch>
+            <a:fillRect/>
+          </a:stretch>
+        </p:blipFill>
+        <p:spPr>
+          <a:xfrm>
+            <a:off x="3937173" y="2483427"/>
+            <a:ext cx="7101436" cy="3449395"/>
+          </a:xfrm>
+          <a:prstGeom prst="rect">
+            <a:avLst/>
+          </a:prstGeom>
+        </p:spPr>
+      </p:pic>
+    </p:spTree>
+    <p:extLst>
+      <p:ext uri="{BB962C8B-B14F-4D97-AF65-F5344CB8AC3E}">
+        <p14:creationId xmlns:p14="http://schemas.microsoft.com/office/powerpoint/2010/main" val="3183135646"/>
+      </p:ext>
+    </p:extLst>
+  </p:cSld>
+  <p:clrMapOvr>
+    <a:masterClrMapping/>
+  </p:clrMapOvr>
+</p:sld>
+</file>
+
 <file path=ppt/theme/theme1.xml><?xml version="1.0" encoding="utf-8"?>
 <a:theme xmlns:a="http://schemas.openxmlformats.org/drawingml/2006/main" name="Office Theme">
   <a:themeElements>
